--- a/Презентация.pptx
+++ b/Презентация.pptx
@@ -202,7 +202,7 @@
           <a:p>
             <a:fld id="{38203FA8-E288-42B8-9654-97D45E6EC0A0}" type="datetimeFigureOut">
               <a:rPr lang="ru-RU" smtClean="0"/>
-              <a:t>26.04.2022</a:t>
+              <a:t>29.04.2022</a:t>
             </a:fld>
             <a:endParaRPr lang="ru-RU"/>
           </a:p>
@@ -685,7 +685,7 @@
           <a:p>
             <a:fld id="{5D7665BD-4692-435E-9A65-42EA31AE2253}" type="datetimeFigureOut">
               <a:rPr lang="ru-RU" smtClean="0"/>
-              <a:t>26.04.2022</a:t>
+              <a:t>29.04.2022</a:t>
             </a:fld>
             <a:endParaRPr lang="ru-RU"/>
           </a:p>
@@ -855,7 +855,7 @@
           <a:p>
             <a:fld id="{5D7665BD-4692-435E-9A65-42EA31AE2253}" type="datetimeFigureOut">
               <a:rPr lang="ru-RU" smtClean="0"/>
-              <a:t>26.04.2022</a:t>
+              <a:t>29.04.2022</a:t>
             </a:fld>
             <a:endParaRPr lang="ru-RU"/>
           </a:p>
@@ -1035,7 +1035,7 @@
           <a:p>
             <a:fld id="{5D7665BD-4692-435E-9A65-42EA31AE2253}" type="datetimeFigureOut">
               <a:rPr lang="ru-RU" smtClean="0"/>
-              <a:t>26.04.2022</a:t>
+              <a:t>29.04.2022</a:t>
             </a:fld>
             <a:endParaRPr lang="ru-RU"/>
           </a:p>
@@ -1205,7 +1205,7 @@
           <a:p>
             <a:fld id="{5D7665BD-4692-435E-9A65-42EA31AE2253}" type="datetimeFigureOut">
               <a:rPr lang="ru-RU" smtClean="0"/>
-              <a:t>26.04.2022</a:t>
+              <a:t>29.04.2022</a:t>
             </a:fld>
             <a:endParaRPr lang="ru-RU"/>
           </a:p>
@@ -1451,7 +1451,7 @@
           <a:p>
             <a:fld id="{5D7665BD-4692-435E-9A65-42EA31AE2253}" type="datetimeFigureOut">
               <a:rPr lang="ru-RU" smtClean="0"/>
-              <a:t>26.04.2022</a:t>
+              <a:t>29.04.2022</a:t>
             </a:fld>
             <a:endParaRPr lang="ru-RU"/>
           </a:p>
@@ -1683,7 +1683,7 @@
           <a:p>
             <a:fld id="{5D7665BD-4692-435E-9A65-42EA31AE2253}" type="datetimeFigureOut">
               <a:rPr lang="ru-RU" smtClean="0"/>
-              <a:t>26.04.2022</a:t>
+              <a:t>29.04.2022</a:t>
             </a:fld>
             <a:endParaRPr lang="ru-RU"/>
           </a:p>
@@ -2050,7 +2050,7 @@
           <a:p>
             <a:fld id="{5D7665BD-4692-435E-9A65-42EA31AE2253}" type="datetimeFigureOut">
               <a:rPr lang="ru-RU" smtClean="0"/>
-              <a:t>26.04.2022</a:t>
+              <a:t>29.04.2022</a:t>
             </a:fld>
             <a:endParaRPr lang="ru-RU"/>
           </a:p>
@@ -2168,7 +2168,7 @@
           <a:p>
             <a:fld id="{5D7665BD-4692-435E-9A65-42EA31AE2253}" type="datetimeFigureOut">
               <a:rPr lang="ru-RU" smtClean="0"/>
-              <a:t>26.04.2022</a:t>
+              <a:t>29.04.2022</a:t>
             </a:fld>
             <a:endParaRPr lang="ru-RU"/>
           </a:p>
@@ -2263,7 +2263,7 @@
           <a:p>
             <a:fld id="{5D7665BD-4692-435E-9A65-42EA31AE2253}" type="datetimeFigureOut">
               <a:rPr lang="ru-RU" smtClean="0"/>
-              <a:t>26.04.2022</a:t>
+              <a:t>29.04.2022</a:t>
             </a:fld>
             <a:endParaRPr lang="ru-RU"/>
           </a:p>
@@ -2540,7 +2540,7 @@
           <a:p>
             <a:fld id="{5D7665BD-4692-435E-9A65-42EA31AE2253}" type="datetimeFigureOut">
               <a:rPr lang="ru-RU" smtClean="0"/>
-              <a:t>26.04.2022</a:t>
+              <a:t>29.04.2022</a:t>
             </a:fld>
             <a:endParaRPr lang="ru-RU"/>
           </a:p>
@@ -2793,7 +2793,7 @@
           <a:p>
             <a:fld id="{5D7665BD-4692-435E-9A65-42EA31AE2253}" type="datetimeFigureOut">
               <a:rPr lang="ru-RU" smtClean="0"/>
-              <a:t>26.04.2022</a:t>
+              <a:t>29.04.2022</a:t>
             </a:fld>
             <a:endParaRPr lang="ru-RU"/>
           </a:p>
@@ -3006,7 +3006,7 @@
           <a:p>
             <a:fld id="{5D7665BD-4692-435E-9A65-42EA31AE2253}" type="datetimeFigureOut">
               <a:rPr lang="ru-RU" smtClean="0"/>
-              <a:t>26.04.2022</a:t>
+              <a:t>29.04.2022</a:t>
             </a:fld>
             <a:endParaRPr lang="ru-RU"/>
           </a:p>
@@ -3889,21 +3889,33 @@
           <a:p>
             <a:pPr lvl="0"/>
             <a:r>
-              <a:rPr lang="en-US" dirty="0" err="1"/>
-              <a:t>sqlalchemy</a:t>
+              <a:rPr lang="en-US" dirty="0" err="1" smtClean="0"/>
+              <a:t>Sqlalchemy</a:t>
             </a:r>
             <a:endParaRPr lang="ru-RU" dirty="0"/>
           </a:p>
           <a:p>
             <a:pPr lvl="0"/>
             <a:r>
-              <a:rPr lang="en-US" dirty="0" err="1"/>
-              <a:t>sqlite</a:t>
+              <a:rPr lang="en-US" dirty="0" err="1" smtClean="0"/>
+              <a:t>Sqlite</a:t>
             </a:r>
             <a:r>
               <a:rPr lang="ru-RU" dirty="0" smtClean="0"/>
               <a:t>3</a:t>
             </a:r>
+            <a:endParaRPr lang="en-US" dirty="0" smtClean="0"/>
+          </a:p>
+          <a:p>
+            <a:pPr lvl="0"/>
+            <a:r>
+              <a:rPr lang="en-US" dirty="0" smtClean="0"/>
+              <a:t>Requests</a:t>
+            </a:r>
+            <a:endParaRPr lang="ru-RU" dirty="0" smtClean="0"/>
+          </a:p>
+          <a:p>
+            <a:pPr lvl="0"/>
             <a:endParaRPr lang="ru-RU" dirty="0"/>
           </a:p>
         </p:txBody>
